--- a/My courses/Club Hack1ng/footprinting & reconnaissance/Clase2.pptx
+++ b/My courses/Club Hack1ng/footprinting & reconnaissance/Clase2.pptx
@@ -9023,6 +9023,100 @@
           </a:extLst>
         </p:spPr>
       </p:pic>
+      <p:pic>
+        <p:nvPicPr>
+          <p:cNvPr id="5" name="Picture 2" descr="Escalera Tipo Ia Extension Dieléctrica 32 Peldaños &amp; Apoya P - $ 1.564.800  en Mercado Libre">
+            <a:extLst>
+              <a:ext uri="{FF2B5EF4-FFF2-40B4-BE49-F238E27FC236}">
+                <a16:creationId xmlns:a16="http://schemas.microsoft.com/office/drawing/2014/main" id="{343254A9-5C2C-43D5-8CBD-565320651240}"/>
+              </a:ext>
+            </a:extLst>
+          </p:cNvPr>
+          <p:cNvPicPr>
+            <a:picLocks noChangeAspect="1" noChangeArrowheads="1"/>
+          </p:cNvPicPr>
+          <p:nvPr/>
+        </p:nvPicPr>
+        <p:blipFill>
+          <a:blip r:embed="rId3" cstate="print">
+            <a:extLst>
+              <a:ext uri="{28A0092B-C50C-407E-A947-70E740481C1C}">
+                <a14:useLocalDpi xmlns:a14="http://schemas.microsoft.com/office/drawing/2010/main" val="0"/>
+              </a:ext>
+            </a:extLst>
+          </a:blip>
+          <a:srcRect/>
+          <a:stretch>
+            <a:fillRect/>
+          </a:stretch>
+        </p:blipFill>
+        <p:spPr bwMode="auto">
+          <a:xfrm>
+            <a:off x="9079175" y="4164253"/>
+            <a:ext cx="747731" cy="1568819"/>
+          </a:xfrm>
+          <a:prstGeom prst="rect">
+            <a:avLst/>
+          </a:prstGeom>
+          <a:noFill/>
+          <a:extLst>
+            <a:ext uri="{909E8E84-426E-40DD-AFC4-6F175D3DCCD1}">
+              <a14:hiddenFill xmlns:a14="http://schemas.microsoft.com/office/drawing/2010/main">
+                <a:solidFill>
+                  <a:srgbClr val="FFFFFF"/>
+                </a:solidFill>
+              </a14:hiddenFill>
+            </a:ext>
+          </a:extLst>
+        </p:spPr>
+      </p:pic>
+      <p:pic>
+        <p:nvPicPr>
+          <p:cNvPr id="1028" name="Picture 4" descr="What is a Logic Bomb?">
+            <a:extLst>
+              <a:ext uri="{FF2B5EF4-FFF2-40B4-BE49-F238E27FC236}">
+                <a16:creationId xmlns:a16="http://schemas.microsoft.com/office/drawing/2014/main" id="{932931B2-AF67-4558-97A1-25674C76E0B4}"/>
+              </a:ext>
+            </a:extLst>
+          </p:cNvPr>
+          <p:cNvPicPr>
+            <a:picLocks noChangeAspect="1" noChangeArrowheads="1"/>
+          </p:cNvPicPr>
+          <p:nvPr/>
+        </p:nvPicPr>
+        <p:blipFill>
+          <a:blip r:embed="rId4" cstate="print">
+            <a:extLst>
+              <a:ext uri="{28A0092B-C50C-407E-A947-70E740481C1C}">
+                <a14:useLocalDpi xmlns:a14="http://schemas.microsoft.com/office/drawing/2010/main" val="0"/>
+              </a:ext>
+            </a:extLst>
+          </a:blip>
+          <a:srcRect/>
+          <a:stretch>
+            <a:fillRect/>
+          </a:stretch>
+        </p:blipFill>
+        <p:spPr bwMode="auto">
+          <a:xfrm>
+            <a:off x="10469954" y="3051415"/>
+            <a:ext cx="1098195" cy="1112838"/>
+          </a:xfrm>
+          <a:prstGeom prst="rect">
+            <a:avLst/>
+          </a:prstGeom>
+          <a:noFill/>
+          <a:extLst>
+            <a:ext uri="{909E8E84-426E-40DD-AFC4-6F175D3DCCD1}">
+              <a14:hiddenFill xmlns:a14="http://schemas.microsoft.com/office/drawing/2010/main">
+                <a:solidFill>
+                  <a:srgbClr val="FFFFFF"/>
+                </a:solidFill>
+              </a14:hiddenFill>
+            </a:ext>
+          </a:extLst>
+        </p:spPr>
+      </p:pic>
     </p:spTree>
     <p:extLst>
       <p:ext uri="{BB962C8B-B14F-4D97-AF65-F5344CB8AC3E}">
@@ -9033,6 +9127,126 @@
   <p:clrMapOvr>
     <a:masterClrMapping/>
   </p:clrMapOvr>
+  <p:timing>
+    <p:tnLst>
+      <p:par>
+        <p:cTn id="1" dur="indefinite" restart="never" nodeType="tmRoot">
+          <p:childTnLst>
+            <p:seq concurrent="1" nextAc="seek">
+              <p:cTn id="2" dur="indefinite" nodeType="mainSeq">
+                <p:childTnLst>
+                  <p:par>
+                    <p:cTn id="3" fill="hold">
+                      <p:stCondLst>
+                        <p:cond delay="indefinite"/>
+                      </p:stCondLst>
+                      <p:childTnLst>
+                        <p:par>
+                          <p:cTn id="4" fill="hold">
+                            <p:stCondLst>
+                              <p:cond delay="0"/>
+                            </p:stCondLst>
+                            <p:childTnLst>
+                              <p:par>
+                                <p:cTn id="5" presetID="1" presetClass="entr" presetSubtype="0" fill="hold" nodeType="clickEffect">
+                                  <p:stCondLst>
+                                    <p:cond delay="0"/>
+                                  </p:stCondLst>
+                                  <p:childTnLst>
+                                    <p:set>
+                                      <p:cBhvr>
+                                        <p:cTn id="6" dur="1" fill="hold">
+                                          <p:stCondLst>
+                                            <p:cond delay="0"/>
+                                          </p:stCondLst>
+                                        </p:cTn>
+                                        <p:tgtEl>
+                                          <p:spTgt spid="5"/>
+                                        </p:tgtEl>
+                                        <p:attrNameLst>
+                                          <p:attrName>style.visibility</p:attrName>
+                                        </p:attrNameLst>
+                                      </p:cBhvr>
+                                      <p:to>
+                                        <p:strVal val="visible"/>
+                                      </p:to>
+                                    </p:set>
+                                  </p:childTnLst>
+                                </p:cTn>
+                              </p:par>
+                            </p:childTnLst>
+                          </p:cTn>
+                        </p:par>
+                      </p:childTnLst>
+                    </p:cTn>
+                  </p:par>
+                  <p:par>
+                    <p:cTn id="7" fill="hold">
+                      <p:stCondLst>
+                        <p:cond delay="indefinite"/>
+                      </p:stCondLst>
+                      <p:childTnLst>
+                        <p:par>
+                          <p:cTn id="8" fill="hold">
+                            <p:stCondLst>
+                              <p:cond delay="0"/>
+                            </p:stCondLst>
+                            <p:childTnLst>
+                              <p:par>
+                                <p:cTn id="9" presetID="1" presetClass="entr" presetSubtype="0" fill="hold" nodeType="clickEffect">
+                                  <p:stCondLst>
+                                    <p:cond delay="0"/>
+                                  </p:stCondLst>
+                                  <p:childTnLst>
+                                    <p:set>
+                                      <p:cBhvr>
+                                        <p:cTn id="10" dur="1" fill="hold">
+                                          <p:stCondLst>
+                                            <p:cond delay="0"/>
+                                          </p:stCondLst>
+                                        </p:cTn>
+                                        <p:tgtEl>
+                                          <p:spTgt spid="1028"/>
+                                        </p:tgtEl>
+                                        <p:attrNameLst>
+                                          <p:attrName>style.visibility</p:attrName>
+                                        </p:attrNameLst>
+                                      </p:cBhvr>
+                                      <p:to>
+                                        <p:strVal val="visible"/>
+                                      </p:to>
+                                    </p:set>
+                                  </p:childTnLst>
+                                </p:cTn>
+                              </p:par>
+                            </p:childTnLst>
+                          </p:cTn>
+                        </p:par>
+                      </p:childTnLst>
+                    </p:cTn>
+                  </p:par>
+                </p:childTnLst>
+              </p:cTn>
+              <p:prevCondLst>
+                <p:cond evt="onPrev" delay="0">
+                  <p:tgtEl>
+                    <p:sldTgt/>
+                  </p:tgtEl>
+                </p:cond>
+              </p:prevCondLst>
+              <p:nextCondLst>
+                <p:cond evt="onNext" delay="0">
+                  <p:tgtEl>
+                    <p:sldTgt/>
+                  </p:tgtEl>
+                </p:cond>
+              </p:nextCondLst>
+            </p:seq>
+          </p:childTnLst>
+        </p:cTn>
+      </p:par>
+    </p:tnLst>
+  </p:timing>
 </p:sld>
 </file>
 
